--- a/SIP PPT Format Data Science[1].pptx
+++ b/SIP PPT Format Data Science[1].pptx
@@ -8327,8 +8327,8 @@
         </p:nvSpPr>
         <p:spPr>
           <a:xfrm>
-            <a:off x="729450" y="1322450"/>
-            <a:ext cx="7688100" cy="915228"/>
+            <a:off x="729449" y="1322450"/>
+            <a:ext cx="7975935" cy="2231072"/>
           </a:xfrm>
           <a:prstGeom prst="rect">
             <a:avLst/>
@@ -8336,7 +8336,7 @@
         </p:spPr>
         <p:txBody>
           <a:bodyPr spcFirstLastPara="1" wrap="square" lIns="91425" tIns="91425" rIns="91425" bIns="91425" anchor="t" anchorCtr="0">
-            <a:normAutofit fontScale="90000"/>
+            <a:normAutofit/>
           </a:bodyPr>
           <a:lstStyle/>
           <a:p>
@@ -8352,7 +8352,16 @@
               <a:rPr lang="en-IN" sz="4000" dirty="0"/>
               <a:t>(GREAT LEARNING)</a:t>
             </a:r>
-            <a:endParaRPr sz="4000" dirty="0"/>
+            <a:br>
+              <a:rPr lang="en-IN" sz="4000" dirty="0"/>
+            </a:br>
+            <a:r>
+              <a:rPr lang="en-IN" sz="2700" dirty="0">
+                <a:hlinkClick r:id="rId3"/>
+              </a:rPr>
+              <a:t>https://github.com/payalbajantri/internship</a:t>
+            </a:r>
+            <a:endParaRPr sz="2700" dirty="0"/>
           </a:p>
         </p:txBody>
       </p:sp>
@@ -8479,7 +8488,7 @@
           <p:nvPr/>
         </p:nvPicPr>
         <p:blipFill>
-          <a:blip r:embed="rId3">
+          <a:blip r:embed="rId4">
             <a:alphaModFix/>
           </a:blip>
           <a:stretch>
